--- a/ppt 16-9/1406.在基督里.pptx
+++ b/ppt 16-9/1406.在基督里.pptx
@@ -129,7 +129,7 @@
           <p:cNvPr id="2" name="标题 1">
             <a:extLst>
               <a:ext uri="{FF2B5EF4-FFF2-40B4-BE49-F238E27FC236}">
-                <a16:creationId xmlns:a16="http://schemas.microsoft.com/office/drawing/2014/main" id="{7998C08E-55C9-FC59-307B-0BCADDAE9D1F}"/>
+                <a16:creationId xmlns:a16="http://schemas.microsoft.com/office/drawing/2014/main" id="{70514EA6-458B-BE2F-42F9-4D16794DFC2C}"/>
               </a:ext>
             </a:extLst>
           </p:cNvPr>
@@ -166,7 +166,7 @@
           <p:cNvPr id="3" name="副标题 2">
             <a:extLst>
               <a:ext uri="{FF2B5EF4-FFF2-40B4-BE49-F238E27FC236}">
-                <a16:creationId xmlns:a16="http://schemas.microsoft.com/office/drawing/2014/main" id="{8B9B0CE4-AE51-FAFA-3C9B-FA14588E216A}"/>
+                <a16:creationId xmlns:a16="http://schemas.microsoft.com/office/drawing/2014/main" id="{ACF79BD8-492D-C3F3-4011-63A9F69FBC6C}"/>
               </a:ext>
             </a:extLst>
           </p:cNvPr>
@@ -236,7 +236,7 @@
           <p:cNvPr id="4" name="日期占位符 3">
             <a:extLst>
               <a:ext uri="{FF2B5EF4-FFF2-40B4-BE49-F238E27FC236}">
-                <a16:creationId xmlns:a16="http://schemas.microsoft.com/office/drawing/2014/main" id="{13872346-EEA7-D1D0-A983-B992D7A62E94}"/>
+                <a16:creationId xmlns:a16="http://schemas.microsoft.com/office/drawing/2014/main" id="{31A7F6E2-4C71-EB21-5AB2-A3E302EF0782}"/>
               </a:ext>
             </a:extLst>
           </p:cNvPr>
@@ -252,7 +252,7 @@
           <a:bodyPr/>
           <a:lstStyle/>
           <a:p>
-            <a:fld id="{2FEEC9E2-1407-40F9-965A-A622A558EB0B}" type="datetimeFigureOut">
+            <a:fld id="{87DF32B4-7E9D-4725-BD19-71010540849C}" type="datetimeFigureOut">
               <a:rPr lang="zh-CN" altLang="en-US" smtClean="0"/>
               <a:t>2024/3/10</a:t>
             </a:fld>
@@ -265,7 +265,7 @@
           <p:cNvPr id="5" name="页脚占位符 4">
             <a:extLst>
               <a:ext uri="{FF2B5EF4-FFF2-40B4-BE49-F238E27FC236}">
-                <a16:creationId xmlns:a16="http://schemas.microsoft.com/office/drawing/2014/main" id="{33EE140D-8072-29F4-9023-670AF4C72B16}"/>
+                <a16:creationId xmlns:a16="http://schemas.microsoft.com/office/drawing/2014/main" id="{9A1DE06A-358F-4F78-6884-370D9930922C}"/>
               </a:ext>
             </a:extLst>
           </p:cNvPr>
@@ -290,7 +290,7 @@
           <p:cNvPr id="6" name="灯片编号占位符 5">
             <a:extLst>
               <a:ext uri="{FF2B5EF4-FFF2-40B4-BE49-F238E27FC236}">
-                <a16:creationId xmlns:a16="http://schemas.microsoft.com/office/drawing/2014/main" id="{70701D4E-4A88-2B66-E556-2000DDFF28DE}"/>
+                <a16:creationId xmlns:a16="http://schemas.microsoft.com/office/drawing/2014/main" id="{0A1990D9-4390-FD13-1634-FB4F357DB231}"/>
               </a:ext>
             </a:extLst>
           </p:cNvPr>
@@ -306,7 +306,7 @@
           <a:bodyPr/>
           <a:lstStyle/>
           <a:p>
-            <a:fld id="{A9AA2655-61B4-4CDF-8D66-19E3748A3A84}" type="slidenum">
+            <a:fld id="{FFF6B1BB-F394-4058-8329-A1FE4510F285}" type="slidenum">
               <a:rPr lang="zh-CN" altLang="en-US" smtClean="0"/>
               <a:t>‹#›</a:t>
             </a:fld>
@@ -317,7 +317,7 @@
     </p:spTree>
     <p:extLst>
       <p:ext uri="{BB962C8B-B14F-4D97-AF65-F5344CB8AC3E}">
-        <p14:creationId xmlns:p14="http://schemas.microsoft.com/office/powerpoint/2010/main" val="1279786689"/>
+        <p14:creationId xmlns:p14="http://schemas.microsoft.com/office/powerpoint/2010/main" val="2725107591"/>
       </p:ext>
     </p:extLst>
   </p:cSld>
@@ -349,7 +349,7 @@
           <p:cNvPr id="2" name="标题 1">
             <a:extLst>
               <a:ext uri="{FF2B5EF4-FFF2-40B4-BE49-F238E27FC236}">
-                <a16:creationId xmlns:a16="http://schemas.microsoft.com/office/drawing/2014/main" id="{DBED3B18-3D35-AC99-14F1-8337012F2829}"/>
+                <a16:creationId xmlns:a16="http://schemas.microsoft.com/office/drawing/2014/main" id="{0BB17370-A319-941C-6271-A2BE1687BDAB}"/>
               </a:ext>
             </a:extLst>
           </p:cNvPr>
@@ -377,7 +377,7 @@
           <p:cNvPr id="3" name="竖排文字占位符 2">
             <a:extLst>
               <a:ext uri="{FF2B5EF4-FFF2-40B4-BE49-F238E27FC236}">
-                <a16:creationId xmlns:a16="http://schemas.microsoft.com/office/drawing/2014/main" id="{ECFD0518-664D-C2AA-A47D-778D3F85A71A}"/>
+                <a16:creationId xmlns:a16="http://schemas.microsoft.com/office/drawing/2014/main" id="{37278489-FE1F-C43B-1E75-C2A402E2592D}"/>
               </a:ext>
             </a:extLst>
           </p:cNvPr>
@@ -434,7 +434,7 @@
           <p:cNvPr id="4" name="日期占位符 3">
             <a:extLst>
               <a:ext uri="{FF2B5EF4-FFF2-40B4-BE49-F238E27FC236}">
-                <a16:creationId xmlns:a16="http://schemas.microsoft.com/office/drawing/2014/main" id="{634E3FC2-3590-8AEF-54F8-A4534BA80E99}"/>
+                <a16:creationId xmlns:a16="http://schemas.microsoft.com/office/drawing/2014/main" id="{C153FCD6-CBAB-416A-9469-70FE367074FE}"/>
               </a:ext>
             </a:extLst>
           </p:cNvPr>
@@ -450,7 +450,7 @@
           <a:bodyPr/>
           <a:lstStyle/>
           <a:p>
-            <a:fld id="{2FEEC9E2-1407-40F9-965A-A622A558EB0B}" type="datetimeFigureOut">
+            <a:fld id="{87DF32B4-7E9D-4725-BD19-71010540849C}" type="datetimeFigureOut">
               <a:rPr lang="zh-CN" altLang="en-US" smtClean="0"/>
               <a:t>2024/3/10</a:t>
             </a:fld>
@@ -463,7 +463,7 @@
           <p:cNvPr id="5" name="页脚占位符 4">
             <a:extLst>
               <a:ext uri="{FF2B5EF4-FFF2-40B4-BE49-F238E27FC236}">
-                <a16:creationId xmlns:a16="http://schemas.microsoft.com/office/drawing/2014/main" id="{C1C71818-4A25-D3CB-DF47-9B124A990AFB}"/>
+                <a16:creationId xmlns:a16="http://schemas.microsoft.com/office/drawing/2014/main" id="{8431B6F9-BE23-4039-560C-701EBF5EF838}"/>
               </a:ext>
             </a:extLst>
           </p:cNvPr>
@@ -488,7 +488,7 @@
           <p:cNvPr id="6" name="灯片编号占位符 5">
             <a:extLst>
               <a:ext uri="{FF2B5EF4-FFF2-40B4-BE49-F238E27FC236}">
-                <a16:creationId xmlns:a16="http://schemas.microsoft.com/office/drawing/2014/main" id="{310FE2BD-BE4C-4A74-D0A6-E8FC67A06E29}"/>
+                <a16:creationId xmlns:a16="http://schemas.microsoft.com/office/drawing/2014/main" id="{971688E2-1339-F82C-B06A-DE406E054228}"/>
               </a:ext>
             </a:extLst>
           </p:cNvPr>
@@ -504,7 +504,7 @@
           <a:bodyPr/>
           <a:lstStyle/>
           <a:p>
-            <a:fld id="{A9AA2655-61B4-4CDF-8D66-19E3748A3A84}" type="slidenum">
+            <a:fld id="{FFF6B1BB-F394-4058-8329-A1FE4510F285}" type="slidenum">
               <a:rPr lang="zh-CN" altLang="en-US" smtClean="0"/>
               <a:t>‹#›</a:t>
             </a:fld>
@@ -515,7 +515,7 @@
     </p:spTree>
     <p:extLst>
       <p:ext uri="{BB962C8B-B14F-4D97-AF65-F5344CB8AC3E}">
-        <p14:creationId xmlns:p14="http://schemas.microsoft.com/office/powerpoint/2010/main" val="1499018693"/>
+        <p14:creationId xmlns:p14="http://schemas.microsoft.com/office/powerpoint/2010/main" val="1525296575"/>
       </p:ext>
     </p:extLst>
   </p:cSld>
@@ -547,7 +547,7 @@
           <p:cNvPr id="2" name="竖排标题 1">
             <a:extLst>
               <a:ext uri="{FF2B5EF4-FFF2-40B4-BE49-F238E27FC236}">
-                <a16:creationId xmlns:a16="http://schemas.microsoft.com/office/drawing/2014/main" id="{CA19839C-F260-9392-20B0-E3A8C119A706}"/>
+                <a16:creationId xmlns:a16="http://schemas.microsoft.com/office/drawing/2014/main" id="{E6C3E183-2205-5EFA-04D7-D0FD8BD924FA}"/>
               </a:ext>
             </a:extLst>
           </p:cNvPr>
@@ -580,7 +580,7 @@
           <p:cNvPr id="3" name="竖排文字占位符 2">
             <a:extLst>
               <a:ext uri="{FF2B5EF4-FFF2-40B4-BE49-F238E27FC236}">
-                <a16:creationId xmlns:a16="http://schemas.microsoft.com/office/drawing/2014/main" id="{0E2845D6-F863-3516-5DB2-0063421B5B31}"/>
+                <a16:creationId xmlns:a16="http://schemas.microsoft.com/office/drawing/2014/main" id="{777C2515-1A02-233E-5339-3D148248F5CC}"/>
               </a:ext>
             </a:extLst>
           </p:cNvPr>
@@ -642,7 +642,7 @@
           <p:cNvPr id="4" name="日期占位符 3">
             <a:extLst>
               <a:ext uri="{FF2B5EF4-FFF2-40B4-BE49-F238E27FC236}">
-                <a16:creationId xmlns:a16="http://schemas.microsoft.com/office/drawing/2014/main" id="{E2732AB3-C330-CEA6-C688-03994FBB230C}"/>
+                <a16:creationId xmlns:a16="http://schemas.microsoft.com/office/drawing/2014/main" id="{0659805E-E0A3-36ED-F2CD-DD610AA20193}"/>
               </a:ext>
             </a:extLst>
           </p:cNvPr>
@@ -658,7 +658,7 @@
           <a:bodyPr/>
           <a:lstStyle/>
           <a:p>
-            <a:fld id="{2FEEC9E2-1407-40F9-965A-A622A558EB0B}" type="datetimeFigureOut">
+            <a:fld id="{87DF32B4-7E9D-4725-BD19-71010540849C}" type="datetimeFigureOut">
               <a:rPr lang="zh-CN" altLang="en-US" smtClean="0"/>
               <a:t>2024/3/10</a:t>
             </a:fld>
@@ -671,7 +671,7 @@
           <p:cNvPr id="5" name="页脚占位符 4">
             <a:extLst>
               <a:ext uri="{FF2B5EF4-FFF2-40B4-BE49-F238E27FC236}">
-                <a16:creationId xmlns:a16="http://schemas.microsoft.com/office/drawing/2014/main" id="{8F916379-4AF0-FC6C-DAD4-EAFE6A602A42}"/>
+                <a16:creationId xmlns:a16="http://schemas.microsoft.com/office/drawing/2014/main" id="{5FF106FA-F4E0-6DC1-9773-8203079AC915}"/>
               </a:ext>
             </a:extLst>
           </p:cNvPr>
@@ -696,7 +696,7 @@
           <p:cNvPr id="6" name="灯片编号占位符 5">
             <a:extLst>
               <a:ext uri="{FF2B5EF4-FFF2-40B4-BE49-F238E27FC236}">
-                <a16:creationId xmlns:a16="http://schemas.microsoft.com/office/drawing/2014/main" id="{A5F69FE4-01C0-20D8-BF78-2EF358E0E016}"/>
+                <a16:creationId xmlns:a16="http://schemas.microsoft.com/office/drawing/2014/main" id="{A3529556-2BD8-CDF3-A5F6-5FF46390E531}"/>
               </a:ext>
             </a:extLst>
           </p:cNvPr>
@@ -712,7 +712,7 @@
           <a:bodyPr/>
           <a:lstStyle/>
           <a:p>
-            <a:fld id="{A9AA2655-61B4-4CDF-8D66-19E3748A3A84}" type="slidenum">
+            <a:fld id="{FFF6B1BB-F394-4058-8329-A1FE4510F285}" type="slidenum">
               <a:rPr lang="zh-CN" altLang="en-US" smtClean="0"/>
               <a:t>‹#›</a:t>
             </a:fld>
@@ -723,7 +723,7 @@
     </p:spTree>
     <p:extLst>
       <p:ext uri="{BB962C8B-B14F-4D97-AF65-F5344CB8AC3E}">
-        <p14:creationId xmlns:p14="http://schemas.microsoft.com/office/powerpoint/2010/main" val="1508962465"/>
+        <p14:creationId xmlns:p14="http://schemas.microsoft.com/office/powerpoint/2010/main" val="2607921574"/>
       </p:ext>
     </p:extLst>
   </p:cSld>
@@ -755,7 +755,7 @@
           <p:cNvPr id="2" name="标题 1">
             <a:extLst>
               <a:ext uri="{FF2B5EF4-FFF2-40B4-BE49-F238E27FC236}">
-                <a16:creationId xmlns:a16="http://schemas.microsoft.com/office/drawing/2014/main" id="{C39ADF1D-7432-8A03-DE6A-3B36259E83B4}"/>
+                <a16:creationId xmlns:a16="http://schemas.microsoft.com/office/drawing/2014/main" id="{D025DD2F-5084-6DE1-EF60-E4B49673AC22}"/>
               </a:ext>
             </a:extLst>
           </p:cNvPr>
@@ -783,7 +783,7 @@
           <p:cNvPr id="3" name="内容占位符 2">
             <a:extLst>
               <a:ext uri="{FF2B5EF4-FFF2-40B4-BE49-F238E27FC236}">
-                <a16:creationId xmlns:a16="http://schemas.microsoft.com/office/drawing/2014/main" id="{B6A49611-CEC8-E99E-69E4-2807A7909C0E}"/>
+                <a16:creationId xmlns:a16="http://schemas.microsoft.com/office/drawing/2014/main" id="{7CAF305D-A95D-57BC-3578-DE63BEBF3FDC}"/>
               </a:ext>
             </a:extLst>
           </p:cNvPr>
@@ -840,7 +840,7 @@
           <p:cNvPr id="4" name="日期占位符 3">
             <a:extLst>
               <a:ext uri="{FF2B5EF4-FFF2-40B4-BE49-F238E27FC236}">
-                <a16:creationId xmlns:a16="http://schemas.microsoft.com/office/drawing/2014/main" id="{F391D430-1B24-6131-0C8F-ABCD6F0B924E}"/>
+                <a16:creationId xmlns:a16="http://schemas.microsoft.com/office/drawing/2014/main" id="{45F3E581-3D7F-F362-6248-3F496EDA2194}"/>
               </a:ext>
             </a:extLst>
           </p:cNvPr>
@@ -856,7 +856,7 @@
           <a:bodyPr/>
           <a:lstStyle/>
           <a:p>
-            <a:fld id="{2FEEC9E2-1407-40F9-965A-A622A558EB0B}" type="datetimeFigureOut">
+            <a:fld id="{87DF32B4-7E9D-4725-BD19-71010540849C}" type="datetimeFigureOut">
               <a:rPr lang="zh-CN" altLang="en-US" smtClean="0"/>
               <a:t>2024/3/10</a:t>
             </a:fld>
@@ -869,7 +869,7 @@
           <p:cNvPr id="5" name="页脚占位符 4">
             <a:extLst>
               <a:ext uri="{FF2B5EF4-FFF2-40B4-BE49-F238E27FC236}">
-                <a16:creationId xmlns:a16="http://schemas.microsoft.com/office/drawing/2014/main" id="{2C68D500-4030-91D8-2AA9-7EB7BFFA6710}"/>
+                <a16:creationId xmlns:a16="http://schemas.microsoft.com/office/drawing/2014/main" id="{26002501-F705-B52A-CE5A-72DD27A3E928}"/>
               </a:ext>
             </a:extLst>
           </p:cNvPr>
@@ -894,7 +894,7 @@
           <p:cNvPr id="6" name="灯片编号占位符 5">
             <a:extLst>
               <a:ext uri="{FF2B5EF4-FFF2-40B4-BE49-F238E27FC236}">
-                <a16:creationId xmlns:a16="http://schemas.microsoft.com/office/drawing/2014/main" id="{BD3CF5AB-2500-4520-CF27-CC482E3C5E6C}"/>
+                <a16:creationId xmlns:a16="http://schemas.microsoft.com/office/drawing/2014/main" id="{C2EB17D2-E6BE-7E30-C669-6183DA1A8346}"/>
               </a:ext>
             </a:extLst>
           </p:cNvPr>
@@ -910,7 +910,7 @@
           <a:bodyPr/>
           <a:lstStyle/>
           <a:p>
-            <a:fld id="{A9AA2655-61B4-4CDF-8D66-19E3748A3A84}" type="slidenum">
+            <a:fld id="{FFF6B1BB-F394-4058-8329-A1FE4510F285}" type="slidenum">
               <a:rPr lang="zh-CN" altLang="en-US" smtClean="0"/>
               <a:t>‹#›</a:t>
             </a:fld>
@@ -921,7 +921,7 @@
     </p:spTree>
     <p:extLst>
       <p:ext uri="{BB962C8B-B14F-4D97-AF65-F5344CB8AC3E}">
-        <p14:creationId xmlns:p14="http://schemas.microsoft.com/office/powerpoint/2010/main" val="429446230"/>
+        <p14:creationId xmlns:p14="http://schemas.microsoft.com/office/powerpoint/2010/main" val="4116931081"/>
       </p:ext>
     </p:extLst>
   </p:cSld>
@@ -953,7 +953,7 @@
           <p:cNvPr id="2" name="标题 1">
             <a:extLst>
               <a:ext uri="{FF2B5EF4-FFF2-40B4-BE49-F238E27FC236}">
-                <a16:creationId xmlns:a16="http://schemas.microsoft.com/office/drawing/2014/main" id="{23B463B0-8248-61AF-4021-D2E1AC4F1375}"/>
+                <a16:creationId xmlns:a16="http://schemas.microsoft.com/office/drawing/2014/main" id="{EA9FD936-C675-3C0A-9997-EE9B23FFFAC8}"/>
               </a:ext>
             </a:extLst>
           </p:cNvPr>
@@ -990,7 +990,7 @@
           <p:cNvPr id="3" name="文本占位符 2">
             <a:extLst>
               <a:ext uri="{FF2B5EF4-FFF2-40B4-BE49-F238E27FC236}">
-                <a16:creationId xmlns:a16="http://schemas.microsoft.com/office/drawing/2014/main" id="{5F3ECE1C-3BA2-FD5A-D795-930AEBBAE5E2}"/>
+                <a16:creationId xmlns:a16="http://schemas.microsoft.com/office/drawing/2014/main" id="{E3EEF7B8-A04F-7080-8863-6EAC2D9ACAD7}"/>
               </a:ext>
             </a:extLst>
           </p:cNvPr>
@@ -1115,7 +1115,7 @@
           <p:cNvPr id="4" name="日期占位符 3">
             <a:extLst>
               <a:ext uri="{FF2B5EF4-FFF2-40B4-BE49-F238E27FC236}">
-                <a16:creationId xmlns:a16="http://schemas.microsoft.com/office/drawing/2014/main" id="{5DAF0C13-96EE-EDD0-DD9E-0A0A5A6056E6}"/>
+                <a16:creationId xmlns:a16="http://schemas.microsoft.com/office/drawing/2014/main" id="{DF9B161F-F98A-1D1E-2BDD-3930A8DB3E86}"/>
               </a:ext>
             </a:extLst>
           </p:cNvPr>
@@ -1131,7 +1131,7 @@
           <a:bodyPr/>
           <a:lstStyle/>
           <a:p>
-            <a:fld id="{2FEEC9E2-1407-40F9-965A-A622A558EB0B}" type="datetimeFigureOut">
+            <a:fld id="{87DF32B4-7E9D-4725-BD19-71010540849C}" type="datetimeFigureOut">
               <a:rPr lang="zh-CN" altLang="en-US" smtClean="0"/>
               <a:t>2024/3/10</a:t>
             </a:fld>
@@ -1144,7 +1144,7 @@
           <p:cNvPr id="5" name="页脚占位符 4">
             <a:extLst>
               <a:ext uri="{FF2B5EF4-FFF2-40B4-BE49-F238E27FC236}">
-                <a16:creationId xmlns:a16="http://schemas.microsoft.com/office/drawing/2014/main" id="{4FCC089E-BF3E-5DF7-3D86-A42E153D15A2}"/>
+                <a16:creationId xmlns:a16="http://schemas.microsoft.com/office/drawing/2014/main" id="{88143975-E05F-5819-56D0-A242878BA8CF}"/>
               </a:ext>
             </a:extLst>
           </p:cNvPr>
@@ -1169,7 +1169,7 @@
           <p:cNvPr id="6" name="灯片编号占位符 5">
             <a:extLst>
               <a:ext uri="{FF2B5EF4-FFF2-40B4-BE49-F238E27FC236}">
-                <a16:creationId xmlns:a16="http://schemas.microsoft.com/office/drawing/2014/main" id="{6AF5B04E-F538-2C7A-CD47-3A48CC4C715C}"/>
+                <a16:creationId xmlns:a16="http://schemas.microsoft.com/office/drawing/2014/main" id="{8BBDB398-4DB9-3999-BCC9-8B4939A8CF3D}"/>
               </a:ext>
             </a:extLst>
           </p:cNvPr>
@@ -1185,7 +1185,7 @@
           <a:bodyPr/>
           <a:lstStyle/>
           <a:p>
-            <a:fld id="{A9AA2655-61B4-4CDF-8D66-19E3748A3A84}" type="slidenum">
+            <a:fld id="{FFF6B1BB-F394-4058-8329-A1FE4510F285}" type="slidenum">
               <a:rPr lang="zh-CN" altLang="en-US" smtClean="0"/>
               <a:t>‹#›</a:t>
             </a:fld>
@@ -1196,7 +1196,7 @@
     </p:spTree>
     <p:extLst>
       <p:ext uri="{BB962C8B-B14F-4D97-AF65-F5344CB8AC3E}">
-        <p14:creationId xmlns:p14="http://schemas.microsoft.com/office/powerpoint/2010/main" val="1729074865"/>
+        <p14:creationId xmlns:p14="http://schemas.microsoft.com/office/powerpoint/2010/main" val="3419605750"/>
       </p:ext>
     </p:extLst>
   </p:cSld>
@@ -1228,7 +1228,7 @@
           <p:cNvPr id="2" name="标题 1">
             <a:extLst>
               <a:ext uri="{FF2B5EF4-FFF2-40B4-BE49-F238E27FC236}">
-                <a16:creationId xmlns:a16="http://schemas.microsoft.com/office/drawing/2014/main" id="{6D778699-7A2A-64BF-1D85-711605045E60}"/>
+                <a16:creationId xmlns:a16="http://schemas.microsoft.com/office/drawing/2014/main" id="{9AAEA8C8-AB72-654A-400D-947E24215D2E}"/>
               </a:ext>
             </a:extLst>
           </p:cNvPr>
@@ -1256,7 +1256,7 @@
           <p:cNvPr id="3" name="内容占位符 2">
             <a:extLst>
               <a:ext uri="{FF2B5EF4-FFF2-40B4-BE49-F238E27FC236}">
-                <a16:creationId xmlns:a16="http://schemas.microsoft.com/office/drawing/2014/main" id="{BA4A839B-8BD5-6DD7-6ED7-4D0C0A35E750}"/>
+                <a16:creationId xmlns:a16="http://schemas.microsoft.com/office/drawing/2014/main" id="{C8FD772F-D82C-688C-986A-57476408F06A}"/>
               </a:ext>
             </a:extLst>
           </p:cNvPr>
@@ -1318,7 +1318,7 @@
           <p:cNvPr id="4" name="内容占位符 3">
             <a:extLst>
               <a:ext uri="{FF2B5EF4-FFF2-40B4-BE49-F238E27FC236}">
-                <a16:creationId xmlns:a16="http://schemas.microsoft.com/office/drawing/2014/main" id="{C52A2666-2573-5607-2AC0-58F4088A1A22}"/>
+                <a16:creationId xmlns:a16="http://schemas.microsoft.com/office/drawing/2014/main" id="{47AB6443-6CED-56FA-18EA-B23E13644677}"/>
               </a:ext>
             </a:extLst>
           </p:cNvPr>
@@ -1380,7 +1380,7 @@
           <p:cNvPr id="5" name="日期占位符 4">
             <a:extLst>
               <a:ext uri="{FF2B5EF4-FFF2-40B4-BE49-F238E27FC236}">
-                <a16:creationId xmlns:a16="http://schemas.microsoft.com/office/drawing/2014/main" id="{E65AE568-7DB0-1381-A17F-CD5E5C0C0CFB}"/>
+                <a16:creationId xmlns:a16="http://schemas.microsoft.com/office/drawing/2014/main" id="{98F51342-AF6D-2612-0D29-939AA4A79471}"/>
               </a:ext>
             </a:extLst>
           </p:cNvPr>
@@ -1396,7 +1396,7 @@
           <a:bodyPr/>
           <a:lstStyle/>
           <a:p>
-            <a:fld id="{2FEEC9E2-1407-40F9-965A-A622A558EB0B}" type="datetimeFigureOut">
+            <a:fld id="{87DF32B4-7E9D-4725-BD19-71010540849C}" type="datetimeFigureOut">
               <a:rPr lang="zh-CN" altLang="en-US" smtClean="0"/>
               <a:t>2024/3/10</a:t>
             </a:fld>
@@ -1409,7 +1409,7 @@
           <p:cNvPr id="6" name="页脚占位符 5">
             <a:extLst>
               <a:ext uri="{FF2B5EF4-FFF2-40B4-BE49-F238E27FC236}">
-                <a16:creationId xmlns:a16="http://schemas.microsoft.com/office/drawing/2014/main" id="{183DD3EA-4644-9C97-633B-98F40DDAB4A1}"/>
+                <a16:creationId xmlns:a16="http://schemas.microsoft.com/office/drawing/2014/main" id="{A795EED3-232C-0BCF-F8ED-708428CD2ADB}"/>
               </a:ext>
             </a:extLst>
           </p:cNvPr>
@@ -1434,7 +1434,7 @@
           <p:cNvPr id="7" name="灯片编号占位符 6">
             <a:extLst>
               <a:ext uri="{FF2B5EF4-FFF2-40B4-BE49-F238E27FC236}">
-                <a16:creationId xmlns:a16="http://schemas.microsoft.com/office/drawing/2014/main" id="{652C6346-A2F9-D98F-7F2D-29C7BF8D6804}"/>
+                <a16:creationId xmlns:a16="http://schemas.microsoft.com/office/drawing/2014/main" id="{1D173D99-24C3-3194-7BCF-55FA063F7AEE}"/>
               </a:ext>
             </a:extLst>
           </p:cNvPr>
@@ -1450,7 +1450,7 @@
           <a:bodyPr/>
           <a:lstStyle/>
           <a:p>
-            <a:fld id="{A9AA2655-61B4-4CDF-8D66-19E3748A3A84}" type="slidenum">
+            <a:fld id="{FFF6B1BB-F394-4058-8329-A1FE4510F285}" type="slidenum">
               <a:rPr lang="zh-CN" altLang="en-US" smtClean="0"/>
               <a:t>‹#›</a:t>
             </a:fld>
@@ -1461,7 +1461,7 @@
     </p:spTree>
     <p:extLst>
       <p:ext uri="{BB962C8B-B14F-4D97-AF65-F5344CB8AC3E}">
-        <p14:creationId xmlns:p14="http://schemas.microsoft.com/office/powerpoint/2010/main" val="467450090"/>
+        <p14:creationId xmlns:p14="http://schemas.microsoft.com/office/powerpoint/2010/main" val="1985363195"/>
       </p:ext>
     </p:extLst>
   </p:cSld>
@@ -1493,7 +1493,7 @@
           <p:cNvPr id="2" name="标题 1">
             <a:extLst>
               <a:ext uri="{FF2B5EF4-FFF2-40B4-BE49-F238E27FC236}">
-                <a16:creationId xmlns:a16="http://schemas.microsoft.com/office/drawing/2014/main" id="{DF632686-1434-5D60-796A-C0559ED0DA79}"/>
+                <a16:creationId xmlns:a16="http://schemas.microsoft.com/office/drawing/2014/main" id="{87859D12-A835-857B-2887-15629F29AD09}"/>
               </a:ext>
             </a:extLst>
           </p:cNvPr>
@@ -1526,7 +1526,7 @@
           <p:cNvPr id="3" name="文本占位符 2">
             <a:extLst>
               <a:ext uri="{FF2B5EF4-FFF2-40B4-BE49-F238E27FC236}">
-                <a16:creationId xmlns:a16="http://schemas.microsoft.com/office/drawing/2014/main" id="{26477D3B-BA03-DC7D-E3E2-E67CD08CDB9D}"/>
+                <a16:creationId xmlns:a16="http://schemas.microsoft.com/office/drawing/2014/main" id="{9028CF0A-E22A-05B0-DA95-916BDFCE5BDC}"/>
               </a:ext>
             </a:extLst>
           </p:cNvPr>
@@ -1597,7 +1597,7 @@
           <p:cNvPr id="4" name="内容占位符 3">
             <a:extLst>
               <a:ext uri="{FF2B5EF4-FFF2-40B4-BE49-F238E27FC236}">
-                <a16:creationId xmlns:a16="http://schemas.microsoft.com/office/drawing/2014/main" id="{9ECEADFA-0412-12C4-379F-05CE51FFFEBA}"/>
+                <a16:creationId xmlns:a16="http://schemas.microsoft.com/office/drawing/2014/main" id="{030515B7-6B2A-FB4E-A518-661C091EDE85}"/>
               </a:ext>
             </a:extLst>
           </p:cNvPr>
@@ -1659,7 +1659,7 @@
           <p:cNvPr id="5" name="文本占位符 4">
             <a:extLst>
               <a:ext uri="{FF2B5EF4-FFF2-40B4-BE49-F238E27FC236}">
-                <a16:creationId xmlns:a16="http://schemas.microsoft.com/office/drawing/2014/main" id="{03966F53-A51B-77D3-2A19-EBB03AD00643}"/>
+                <a16:creationId xmlns:a16="http://schemas.microsoft.com/office/drawing/2014/main" id="{970C0DA7-3F20-9F6D-189E-4158898A4501}"/>
               </a:ext>
             </a:extLst>
           </p:cNvPr>
@@ -1730,7 +1730,7 @@
           <p:cNvPr id="6" name="内容占位符 5">
             <a:extLst>
               <a:ext uri="{FF2B5EF4-FFF2-40B4-BE49-F238E27FC236}">
-                <a16:creationId xmlns:a16="http://schemas.microsoft.com/office/drawing/2014/main" id="{C0EED08F-C9BC-57E4-8396-6FFA85E31E5F}"/>
+                <a16:creationId xmlns:a16="http://schemas.microsoft.com/office/drawing/2014/main" id="{06ADF24B-33C1-2749-4A62-126669C90DBA}"/>
               </a:ext>
             </a:extLst>
           </p:cNvPr>
@@ -1792,7 +1792,7 @@
           <p:cNvPr id="7" name="日期占位符 6">
             <a:extLst>
               <a:ext uri="{FF2B5EF4-FFF2-40B4-BE49-F238E27FC236}">
-                <a16:creationId xmlns:a16="http://schemas.microsoft.com/office/drawing/2014/main" id="{07BFE0BE-7777-C77F-2F47-00384C31CBB6}"/>
+                <a16:creationId xmlns:a16="http://schemas.microsoft.com/office/drawing/2014/main" id="{44AC8E90-B953-E956-97D6-6FB0CF8E5639}"/>
               </a:ext>
             </a:extLst>
           </p:cNvPr>
@@ -1808,7 +1808,7 @@
           <a:bodyPr/>
           <a:lstStyle/>
           <a:p>
-            <a:fld id="{2FEEC9E2-1407-40F9-965A-A622A558EB0B}" type="datetimeFigureOut">
+            <a:fld id="{87DF32B4-7E9D-4725-BD19-71010540849C}" type="datetimeFigureOut">
               <a:rPr lang="zh-CN" altLang="en-US" smtClean="0"/>
               <a:t>2024/3/10</a:t>
             </a:fld>
@@ -1821,7 +1821,7 @@
           <p:cNvPr id="8" name="页脚占位符 7">
             <a:extLst>
               <a:ext uri="{FF2B5EF4-FFF2-40B4-BE49-F238E27FC236}">
-                <a16:creationId xmlns:a16="http://schemas.microsoft.com/office/drawing/2014/main" id="{DC5D9C0C-BBCE-BDFE-7CB2-2E7E06E88EDC}"/>
+                <a16:creationId xmlns:a16="http://schemas.microsoft.com/office/drawing/2014/main" id="{92240729-ABF9-05AF-558C-71CC2C065106}"/>
               </a:ext>
             </a:extLst>
           </p:cNvPr>
@@ -1846,7 +1846,7 @@
           <p:cNvPr id="9" name="灯片编号占位符 8">
             <a:extLst>
               <a:ext uri="{FF2B5EF4-FFF2-40B4-BE49-F238E27FC236}">
-                <a16:creationId xmlns:a16="http://schemas.microsoft.com/office/drawing/2014/main" id="{625C086C-AAD0-C69C-D41E-08714CA0ABD2}"/>
+                <a16:creationId xmlns:a16="http://schemas.microsoft.com/office/drawing/2014/main" id="{08AF2B70-352D-2F6C-6CA3-A40450F69A57}"/>
               </a:ext>
             </a:extLst>
           </p:cNvPr>
@@ -1862,7 +1862,7 @@
           <a:bodyPr/>
           <a:lstStyle/>
           <a:p>
-            <a:fld id="{A9AA2655-61B4-4CDF-8D66-19E3748A3A84}" type="slidenum">
+            <a:fld id="{FFF6B1BB-F394-4058-8329-A1FE4510F285}" type="slidenum">
               <a:rPr lang="zh-CN" altLang="en-US" smtClean="0"/>
               <a:t>‹#›</a:t>
             </a:fld>
@@ -1873,7 +1873,7 @@
     </p:spTree>
     <p:extLst>
       <p:ext uri="{BB962C8B-B14F-4D97-AF65-F5344CB8AC3E}">
-        <p14:creationId xmlns:p14="http://schemas.microsoft.com/office/powerpoint/2010/main" val="2257738766"/>
+        <p14:creationId xmlns:p14="http://schemas.microsoft.com/office/powerpoint/2010/main" val="865552804"/>
       </p:ext>
     </p:extLst>
   </p:cSld>
@@ -1905,7 +1905,7 @@
           <p:cNvPr id="2" name="标题 1">
             <a:extLst>
               <a:ext uri="{FF2B5EF4-FFF2-40B4-BE49-F238E27FC236}">
-                <a16:creationId xmlns:a16="http://schemas.microsoft.com/office/drawing/2014/main" id="{E3EC81CF-0949-F5F8-0AB3-74C2EC4DE743}"/>
+                <a16:creationId xmlns:a16="http://schemas.microsoft.com/office/drawing/2014/main" id="{E46A3FA9-1A7F-9CFC-3742-63B01CA2DA24}"/>
               </a:ext>
             </a:extLst>
           </p:cNvPr>
@@ -1933,7 +1933,7 @@
           <p:cNvPr id="3" name="日期占位符 2">
             <a:extLst>
               <a:ext uri="{FF2B5EF4-FFF2-40B4-BE49-F238E27FC236}">
-                <a16:creationId xmlns:a16="http://schemas.microsoft.com/office/drawing/2014/main" id="{CF67F39F-797B-4CFA-F4A5-D9C43C05A4FB}"/>
+                <a16:creationId xmlns:a16="http://schemas.microsoft.com/office/drawing/2014/main" id="{423200EA-CE34-B440-F36D-2FF835A5CF5A}"/>
               </a:ext>
             </a:extLst>
           </p:cNvPr>
@@ -1949,7 +1949,7 @@
           <a:bodyPr/>
           <a:lstStyle/>
           <a:p>
-            <a:fld id="{2FEEC9E2-1407-40F9-965A-A622A558EB0B}" type="datetimeFigureOut">
+            <a:fld id="{87DF32B4-7E9D-4725-BD19-71010540849C}" type="datetimeFigureOut">
               <a:rPr lang="zh-CN" altLang="en-US" smtClean="0"/>
               <a:t>2024/3/10</a:t>
             </a:fld>
@@ -1962,7 +1962,7 @@
           <p:cNvPr id="4" name="页脚占位符 3">
             <a:extLst>
               <a:ext uri="{FF2B5EF4-FFF2-40B4-BE49-F238E27FC236}">
-                <a16:creationId xmlns:a16="http://schemas.microsoft.com/office/drawing/2014/main" id="{B65D23EB-225B-56AD-3BC1-8172F9F528F5}"/>
+                <a16:creationId xmlns:a16="http://schemas.microsoft.com/office/drawing/2014/main" id="{50C86A58-8271-C072-7303-8535BDAF5FAE}"/>
               </a:ext>
             </a:extLst>
           </p:cNvPr>
@@ -1987,7 +1987,7 @@
           <p:cNvPr id="5" name="灯片编号占位符 4">
             <a:extLst>
               <a:ext uri="{FF2B5EF4-FFF2-40B4-BE49-F238E27FC236}">
-                <a16:creationId xmlns:a16="http://schemas.microsoft.com/office/drawing/2014/main" id="{E9514581-DAA7-AE25-5421-19D3BA992F8D}"/>
+                <a16:creationId xmlns:a16="http://schemas.microsoft.com/office/drawing/2014/main" id="{268EF23C-A445-DCA0-797F-621EFBEE614B}"/>
               </a:ext>
             </a:extLst>
           </p:cNvPr>
@@ -2003,7 +2003,7 @@
           <a:bodyPr/>
           <a:lstStyle/>
           <a:p>
-            <a:fld id="{A9AA2655-61B4-4CDF-8D66-19E3748A3A84}" type="slidenum">
+            <a:fld id="{FFF6B1BB-F394-4058-8329-A1FE4510F285}" type="slidenum">
               <a:rPr lang="zh-CN" altLang="en-US" smtClean="0"/>
               <a:t>‹#›</a:t>
             </a:fld>
@@ -2014,7 +2014,7 @@
     </p:spTree>
     <p:extLst>
       <p:ext uri="{BB962C8B-B14F-4D97-AF65-F5344CB8AC3E}">
-        <p14:creationId xmlns:p14="http://schemas.microsoft.com/office/powerpoint/2010/main" val="2141377337"/>
+        <p14:creationId xmlns:p14="http://schemas.microsoft.com/office/powerpoint/2010/main" val="2678409742"/>
       </p:ext>
     </p:extLst>
   </p:cSld>
@@ -2046,7 +2046,7 @@
           <p:cNvPr id="2" name="日期占位符 1">
             <a:extLst>
               <a:ext uri="{FF2B5EF4-FFF2-40B4-BE49-F238E27FC236}">
-                <a16:creationId xmlns:a16="http://schemas.microsoft.com/office/drawing/2014/main" id="{651494D8-81A0-9266-987A-D81A3B42D69C}"/>
+                <a16:creationId xmlns:a16="http://schemas.microsoft.com/office/drawing/2014/main" id="{2B6B6F99-9225-E895-BAE0-D6BBCCAF3A63}"/>
               </a:ext>
             </a:extLst>
           </p:cNvPr>
@@ -2062,7 +2062,7 @@
           <a:bodyPr/>
           <a:lstStyle/>
           <a:p>
-            <a:fld id="{2FEEC9E2-1407-40F9-965A-A622A558EB0B}" type="datetimeFigureOut">
+            <a:fld id="{87DF32B4-7E9D-4725-BD19-71010540849C}" type="datetimeFigureOut">
               <a:rPr lang="zh-CN" altLang="en-US" smtClean="0"/>
               <a:t>2024/3/10</a:t>
             </a:fld>
@@ -2075,7 +2075,7 @@
           <p:cNvPr id="3" name="页脚占位符 2">
             <a:extLst>
               <a:ext uri="{FF2B5EF4-FFF2-40B4-BE49-F238E27FC236}">
-                <a16:creationId xmlns:a16="http://schemas.microsoft.com/office/drawing/2014/main" id="{CBAE93A3-ECA1-3EAE-9B7F-938288FC11CA}"/>
+                <a16:creationId xmlns:a16="http://schemas.microsoft.com/office/drawing/2014/main" id="{B5C0286C-2D3F-0E10-9EA6-EB6CD4865BFF}"/>
               </a:ext>
             </a:extLst>
           </p:cNvPr>
@@ -2100,7 +2100,7 @@
           <p:cNvPr id="4" name="灯片编号占位符 3">
             <a:extLst>
               <a:ext uri="{FF2B5EF4-FFF2-40B4-BE49-F238E27FC236}">
-                <a16:creationId xmlns:a16="http://schemas.microsoft.com/office/drawing/2014/main" id="{FEDD6F53-7A77-9832-5944-4250630B261D}"/>
+                <a16:creationId xmlns:a16="http://schemas.microsoft.com/office/drawing/2014/main" id="{CAEC5060-CF5F-B6EA-6D16-131D712E6CA7}"/>
               </a:ext>
             </a:extLst>
           </p:cNvPr>
@@ -2116,7 +2116,7 @@
           <a:bodyPr/>
           <a:lstStyle/>
           <a:p>
-            <a:fld id="{A9AA2655-61B4-4CDF-8D66-19E3748A3A84}" type="slidenum">
+            <a:fld id="{FFF6B1BB-F394-4058-8329-A1FE4510F285}" type="slidenum">
               <a:rPr lang="zh-CN" altLang="en-US" smtClean="0"/>
               <a:t>‹#›</a:t>
             </a:fld>
@@ -2127,7 +2127,7 @@
     </p:spTree>
     <p:extLst>
       <p:ext uri="{BB962C8B-B14F-4D97-AF65-F5344CB8AC3E}">
-        <p14:creationId xmlns:p14="http://schemas.microsoft.com/office/powerpoint/2010/main" val="1720198469"/>
+        <p14:creationId xmlns:p14="http://schemas.microsoft.com/office/powerpoint/2010/main" val="576656711"/>
       </p:ext>
     </p:extLst>
   </p:cSld>
@@ -2159,7 +2159,7 @@
           <p:cNvPr id="2" name="标题 1">
             <a:extLst>
               <a:ext uri="{FF2B5EF4-FFF2-40B4-BE49-F238E27FC236}">
-                <a16:creationId xmlns:a16="http://schemas.microsoft.com/office/drawing/2014/main" id="{C1602469-7C4B-D84E-D377-06A070EF5396}"/>
+                <a16:creationId xmlns:a16="http://schemas.microsoft.com/office/drawing/2014/main" id="{704CE342-AAB8-6C2D-4086-D798ECB14683}"/>
               </a:ext>
             </a:extLst>
           </p:cNvPr>
@@ -2196,7 +2196,7 @@
           <p:cNvPr id="3" name="内容占位符 2">
             <a:extLst>
               <a:ext uri="{FF2B5EF4-FFF2-40B4-BE49-F238E27FC236}">
-                <a16:creationId xmlns:a16="http://schemas.microsoft.com/office/drawing/2014/main" id="{CD75069C-5DE3-D721-472A-94CCE6670BC3}"/>
+                <a16:creationId xmlns:a16="http://schemas.microsoft.com/office/drawing/2014/main" id="{9A94C8B3-F120-F28B-274F-ABB32AE543F2}"/>
               </a:ext>
             </a:extLst>
           </p:cNvPr>
@@ -2286,7 +2286,7 @@
           <p:cNvPr id="4" name="文本占位符 3">
             <a:extLst>
               <a:ext uri="{FF2B5EF4-FFF2-40B4-BE49-F238E27FC236}">
-                <a16:creationId xmlns:a16="http://schemas.microsoft.com/office/drawing/2014/main" id="{AD4D9832-DD5E-6040-32EA-4DF7A623734E}"/>
+                <a16:creationId xmlns:a16="http://schemas.microsoft.com/office/drawing/2014/main" id="{A5B83651-595F-67C6-6075-14D20DC7162E}"/>
               </a:ext>
             </a:extLst>
           </p:cNvPr>
@@ -2357,7 +2357,7 @@
           <p:cNvPr id="5" name="日期占位符 4">
             <a:extLst>
               <a:ext uri="{FF2B5EF4-FFF2-40B4-BE49-F238E27FC236}">
-                <a16:creationId xmlns:a16="http://schemas.microsoft.com/office/drawing/2014/main" id="{1FEA3BC6-75CC-47B8-58A6-82FFA0AF73D2}"/>
+                <a16:creationId xmlns:a16="http://schemas.microsoft.com/office/drawing/2014/main" id="{66194F64-8AE2-815D-2A08-339CB13D9B8C}"/>
               </a:ext>
             </a:extLst>
           </p:cNvPr>
@@ -2373,7 +2373,7 @@
           <a:bodyPr/>
           <a:lstStyle/>
           <a:p>
-            <a:fld id="{2FEEC9E2-1407-40F9-965A-A622A558EB0B}" type="datetimeFigureOut">
+            <a:fld id="{87DF32B4-7E9D-4725-BD19-71010540849C}" type="datetimeFigureOut">
               <a:rPr lang="zh-CN" altLang="en-US" smtClean="0"/>
               <a:t>2024/3/10</a:t>
             </a:fld>
@@ -2386,7 +2386,7 @@
           <p:cNvPr id="6" name="页脚占位符 5">
             <a:extLst>
               <a:ext uri="{FF2B5EF4-FFF2-40B4-BE49-F238E27FC236}">
-                <a16:creationId xmlns:a16="http://schemas.microsoft.com/office/drawing/2014/main" id="{FA11757A-491D-87C6-B1C5-1B2658AA3DF8}"/>
+                <a16:creationId xmlns:a16="http://schemas.microsoft.com/office/drawing/2014/main" id="{576658EC-2C13-FFB7-AC52-752554FF60A4}"/>
               </a:ext>
             </a:extLst>
           </p:cNvPr>
@@ -2411,7 +2411,7 @@
           <p:cNvPr id="7" name="灯片编号占位符 6">
             <a:extLst>
               <a:ext uri="{FF2B5EF4-FFF2-40B4-BE49-F238E27FC236}">
-                <a16:creationId xmlns:a16="http://schemas.microsoft.com/office/drawing/2014/main" id="{1CF3D54D-E6F7-B946-3019-7DEA5BCDE1D8}"/>
+                <a16:creationId xmlns:a16="http://schemas.microsoft.com/office/drawing/2014/main" id="{B553F9A9-9D09-110C-F793-EC7A25C60A96}"/>
               </a:ext>
             </a:extLst>
           </p:cNvPr>
@@ -2427,7 +2427,7 @@
           <a:bodyPr/>
           <a:lstStyle/>
           <a:p>
-            <a:fld id="{A9AA2655-61B4-4CDF-8D66-19E3748A3A84}" type="slidenum">
+            <a:fld id="{FFF6B1BB-F394-4058-8329-A1FE4510F285}" type="slidenum">
               <a:rPr lang="zh-CN" altLang="en-US" smtClean="0"/>
               <a:t>‹#›</a:t>
             </a:fld>
@@ -2438,7 +2438,7 @@
     </p:spTree>
     <p:extLst>
       <p:ext uri="{BB962C8B-B14F-4D97-AF65-F5344CB8AC3E}">
-        <p14:creationId xmlns:p14="http://schemas.microsoft.com/office/powerpoint/2010/main" val="4189534352"/>
+        <p14:creationId xmlns:p14="http://schemas.microsoft.com/office/powerpoint/2010/main" val="2064249521"/>
       </p:ext>
     </p:extLst>
   </p:cSld>
@@ -2470,7 +2470,7 @@
           <p:cNvPr id="2" name="标题 1">
             <a:extLst>
               <a:ext uri="{FF2B5EF4-FFF2-40B4-BE49-F238E27FC236}">
-                <a16:creationId xmlns:a16="http://schemas.microsoft.com/office/drawing/2014/main" id="{9045634B-4643-2271-E9A1-6CBB05043EF3}"/>
+                <a16:creationId xmlns:a16="http://schemas.microsoft.com/office/drawing/2014/main" id="{FF3F5D00-664F-45EC-4AD0-4633D4908455}"/>
               </a:ext>
             </a:extLst>
           </p:cNvPr>
@@ -2507,7 +2507,7 @@
           <p:cNvPr id="3" name="图片占位符 2">
             <a:extLst>
               <a:ext uri="{FF2B5EF4-FFF2-40B4-BE49-F238E27FC236}">
-                <a16:creationId xmlns:a16="http://schemas.microsoft.com/office/drawing/2014/main" id="{B76C8C97-D11C-78F2-127E-636CAAADDA42}"/>
+                <a16:creationId xmlns:a16="http://schemas.microsoft.com/office/drawing/2014/main" id="{DC4AAA8A-290D-69CC-A2BE-62395E1901F1}"/>
               </a:ext>
             </a:extLst>
           </p:cNvPr>
@@ -2574,7 +2574,7 @@
           <p:cNvPr id="4" name="文本占位符 3">
             <a:extLst>
               <a:ext uri="{FF2B5EF4-FFF2-40B4-BE49-F238E27FC236}">
-                <a16:creationId xmlns:a16="http://schemas.microsoft.com/office/drawing/2014/main" id="{58C72D79-E2F3-7CC7-3CC9-95C342214F6C}"/>
+                <a16:creationId xmlns:a16="http://schemas.microsoft.com/office/drawing/2014/main" id="{F65CBF1A-6914-8431-0015-88B2F23CA91C}"/>
               </a:ext>
             </a:extLst>
           </p:cNvPr>
@@ -2645,7 +2645,7 @@
           <p:cNvPr id="5" name="日期占位符 4">
             <a:extLst>
               <a:ext uri="{FF2B5EF4-FFF2-40B4-BE49-F238E27FC236}">
-                <a16:creationId xmlns:a16="http://schemas.microsoft.com/office/drawing/2014/main" id="{F61FA0E4-0EAE-E1D3-9FDC-78C446AC80B9}"/>
+                <a16:creationId xmlns:a16="http://schemas.microsoft.com/office/drawing/2014/main" id="{995FA1B6-3A5E-829B-E4D4-E937337DD959}"/>
               </a:ext>
             </a:extLst>
           </p:cNvPr>
@@ -2661,7 +2661,7 @@
           <a:bodyPr/>
           <a:lstStyle/>
           <a:p>
-            <a:fld id="{2FEEC9E2-1407-40F9-965A-A622A558EB0B}" type="datetimeFigureOut">
+            <a:fld id="{87DF32B4-7E9D-4725-BD19-71010540849C}" type="datetimeFigureOut">
               <a:rPr lang="zh-CN" altLang="en-US" smtClean="0"/>
               <a:t>2024/3/10</a:t>
             </a:fld>
@@ -2674,7 +2674,7 @@
           <p:cNvPr id="6" name="页脚占位符 5">
             <a:extLst>
               <a:ext uri="{FF2B5EF4-FFF2-40B4-BE49-F238E27FC236}">
-                <a16:creationId xmlns:a16="http://schemas.microsoft.com/office/drawing/2014/main" id="{12B828AD-D17E-BEF3-8D4E-6E574BAE2F13}"/>
+                <a16:creationId xmlns:a16="http://schemas.microsoft.com/office/drawing/2014/main" id="{174E22C1-BA70-F368-C180-F8ACF506411D}"/>
               </a:ext>
             </a:extLst>
           </p:cNvPr>
@@ -2699,7 +2699,7 @@
           <p:cNvPr id="7" name="灯片编号占位符 6">
             <a:extLst>
               <a:ext uri="{FF2B5EF4-FFF2-40B4-BE49-F238E27FC236}">
-                <a16:creationId xmlns:a16="http://schemas.microsoft.com/office/drawing/2014/main" id="{FE82FE8B-48B3-CBE5-4E33-D1C04AD56C98}"/>
+                <a16:creationId xmlns:a16="http://schemas.microsoft.com/office/drawing/2014/main" id="{F73EC709-7742-70D3-611D-2D50AB8AFD5F}"/>
               </a:ext>
             </a:extLst>
           </p:cNvPr>
@@ -2715,7 +2715,7 @@
           <a:bodyPr/>
           <a:lstStyle/>
           <a:p>
-            <a:fld id="{A9AA2655-61B4-4CDF-8D66-19E3748A3A84}" type="slidenum">
+            <a:fld id="{FFF6B1BB-F394-4058-8329-A1FE4510F285}" type="slidenum">
               <a:rPr lang="zh-CN" altLang="en-US" smtClean="0"/>
               <a:t>‹#›</a:t>
             </a:fld>
@@ -2726,7 +2726,7 @@
     </p:spTree>
     <p:extLst>
       <p:ext uri="{BB962C8B-B14F-4D97-AF65-F5344CB8AC3E}">
-        <p14:creationId xmlns:p14="http://schemas.microsoft.com/office/powerpoint/2010/main" val="3188429602"/>
+        <p14:creationId xmlns:p14="http://schemas.microsoft.com/office/powerpoint/2010/main" val="4078321373"/>
       </p:ext>
     </p:extLst>
   </p:cSld>
@@ -2763,7 +2763,7 @@
           <p:cNvPr id="2" name="标题占位符 1">
             <a:extLst>
               <a:ext uri="{FF2B5EF4-FFF2-40B4-BE49-F238E27FC236}">
-                <a16:creationId xmlns:a16="http://schemas.microsoft.com/office/drawing/2014/main" id="{BE75AEEE-3C40-0EF8-0128-467EF0D461AC}"/>
+                <a16:creationId xmlns:a16="http://schemas.microsoft.com/office/drawing/2014/main" id="{273778A5-1A29-207D-43B4-A7879BA011FF}"/>
               </a:ext>
             </a:extLst>
           </p:cNvPr>
@@ -2801,7 +2801,7 @@
           <p:cNvPr id="3" name="文本占位符 2">
             <a:extLst>
               <a:ext uri="{FF2B5EF4-FFF2-40B4-BE49-F238E27FC236}">
-                <a16:creationId xmlns:a16="http://schemas.microsoft.com/office/drawing/2014/main" id="{9A50A82B-5A1E-A65A-24C6-CD3925FDDDAF}"/>
+                <a16:creationId xmlns:a16="http://schemas.microsoft.com/office/drawing/2014/main" id="{C931F0FC-E37D-4396-30D1-397D86253027}"/>
               </a:ext>
             </a:extLst>
           </p:cNvPr>
@@ -2868,7 +2868,7 @@
           <p:cNvPr id="4" name="日期占位符 3">
             <a:extLst>
               <a:ext uri="{FF2B5EF4-FFF2-40B4-BE49-F238E27FC236}">
-                <a16:creationId xmlns:a16="http://schemas.microsoft.com/office/drawing/2014/main" id="{52098AB0-0AC7-D33B-0B8B-1A83E7F8BD42}"/>
+                <a16:creationId xmlns:a16="http://schemas.microsoft.com/office/drawing/2014/main" id="{7B714E95-79C3-E688-0657-38EB6370F84A}"/>
               </a:ext>
             </a:extLst>
           </p:cNvPr>
@@ -2902,7 +2902,7 @@
             </a:lvl1pPr>
           </a:lstStyle>
           <a:p>
-            <a:fld id="{2FEEC9E2-1407-40F9-965A-A622A558EB0B}" type="datetimeFigureOut">
+            <a:fld id="{87DF32B4-7E9D-4725-BD19-71010540849C}" type="datetimeFigureOut">
               <a:rPr lang="zh-CN" altLang="en-US" smtClean="0"/>
               <a:t>2024/3/10</a:t>
             </a:fld>
@@ -2915,7 +2915,7 @@
           <p:cNvPr id="5" name="页脚占位符 4">
             <a:extLst>
               <a:ext uri="{FF2B5EF4-FFF2-40B4-BE49-F238E27FC236}">
-                <a16:creationId xmlns:a16="http://schemas.microsoft.com/office/drawing/2014/main" id="{6E5E5236-3B0A-6438-B24C-0ADFB0F3485C}"/>
+                <a16:creationId xmlns:a16="http://schemas.microsoft.com/office/drawing/2014/main" id="{23C0BC1E-A55B-AF8C-979A-83E24DCF6657}"/>
               </a:ext>
             </a:extLst>
           </p:cNvPr>
@@ -2958,7 +2958,7 @@
           <p:cNvPr id="6" name="灯片编号占位符 5">
             <a:extLst>
               <a:ext uri="{FF2B5EF4-FFF2-40B4-BE49-F238E27FC236}">
-                <a16:creationId xmlns:a16="http://schemas.microsoft.com/office/drawing/2014/main" id="{73AC3347-A7D3-BF80-2206-8EB0B3DAC8E1}"/>
+                <a16:creationId xmlns:a16="http://schemas.microsoft.com/office/drawing/2014/main" id="{252B614C-D384-41B2-D7E6-5D436F1DFF04}"/>
               </a:ext>
             </a:extLst>
           </p:cNvPr>
@@ -2992,7 +2992,7 @@
             </a:lvl1pPr>
           </a:lstStyle>
           <a:p>
-            <a:fld id="{A9AA2655-61B4-4CDF-8D66-19E3748A3A84}" type="slidenum">
+            <a:fld id="{FFF6B1BB-F394-4058-8329-A1FE4510F285}" type="slidenum">
               <a:rPr lang="zh-CN" altLang="en-US" smtClean="0"/>
               <a:t>‹#›</a:t>
             </a:fld>
@@ -3003,7 +3003,7 @@
     </p:spTree>
     <p:extLst>
       <p:ext uri="{BB962C8B-B14F-4D97-AF65-F5344CB8AC3E}">
-        <p14:creationId xmlns:p14="http://schemas.microsoft.com/office/powerpoint/2010/main" val="4060035917"/>
+        <p14:creationId xmlns:p14="http://schemas.microsoft.com/office/powerpoint/2010/main" val="1043173276"/>
       </p:ext>
     </p:extLst>
   </p:cSld>
